--- a/CS487P Project Presentation.pptx
+++ b/CS487P Project Presentation.pptx
@@ -811,7 +811,7 @@
   <p:cSld>
     <p:spTree>
       <p:nvGrpSpPr>
-        <p:cNvPr id="137" name="Shape 137"/>
+        <p:cNvPr id="139" name="Shape 139"/>
         <p:cNvGrpSpPr/>
         <p:nvPr/>
       </p:nvGrpSpPr>
@@ -825,7 +825,7 @@
       </p:grpSpPr>
       <p:sp>
         <p:nvSpPr>
-          <p:cNvPr id="138" name="Google Shape;138;g5adfddef51_0_131:notes"/>
+          <p:cNvPr id="140" name="Google Shape;140;g5bdfeb0873_0_16:notes"/>
           <p:cNvSpPr/>
           <p:nvPr>
             <p:ph idx="2" type="sldImg"/>
@@ -860,7 +860,7 @@
       </p:sp>
       <p:sp>
         <p:nvSpPr>
-          <p:cNvPr id="139" name="Google Shape;139;g5adfddef51_0_131:notes"/>
+          <p:cNvPr id="141" name="Google Shape;141;g5bdfeb0873_0_16:notes"/>
           <p:cNvSpPr txBox="1"/>
           <p:nvPr>
             <p:ph idx="1" type="body"/>
@@ -910,7 +910,7 @@
   <p:cSld>
     <p:spTree>
       <p:nvGrpSpPr>
-        <p:cNvPr id="143" name="Shape 143"/>
+        <p:cNvPr id="145" name="Shape 145"/>
         <p:cNvGrpSpPr/>
         <p:nvPr/>
       </p:nvGrpSpPr>
@@ -924,7 +924,7 @@
       </p:grpSpPr>
       <p:sp>
         <p:nvSpPr>
-          <p:cNvPr id="144" name="Google Shape;144;g5adfddef51_0_136:notes"/>
+          <p:cNvPr id="146" name="Google Shape;146;g5adfddef51_0_131:notes"/>
           <p:cNvSpPr/>
           <p:nvPr>
             <p:ph idx="2" type="sldImg"/>
@@ -959,7 +959,7 @@
       </p:sp>
       <p:sp>
         <p:nvSpPr>
-          <p:cNvPr id="145" name="Google Shape;145;g5adfddef51_0_136:notes"/>
+          <p:cNvPr id="147" name="Google Shape;147;g5adfddef51_0_131:notes"/>
           <p:cNvSpPr txBox="1"/>
           <p:nvPr>
             <p:ph idx="1" type="body"/>
@@ -1009,7 +1009,7 @@
   <p:cSld>
     <p:spTree>
       <p:nvGrpSpPr>
-        <p:cNvPr id="149" name="Shape 149"/>
+        <p:cNvPr id="151" name="Shape 151"/>
         <p:cNvGrpSpPr/>
         <p:nvPr/>
       </p:nvGrpSpPr>
@@ -1023,7 +1023,7 @@
       </p:grpSpPr>
       <p:sp>
         <p:nvSpPr>
-          <p:cNvPr id="150" name="Google Shape;150;g5adfddef51_0_141:notes"/>
+          <p:cNvPr id="152" name="Google Shape;152;g5adfddef51_0_136:notes"/>
           <p:cNvSpPr/>
           <p:nvPr>
             <p:ph idx="2" type="sldImg"/>
@@ -1058,7 +1058,7 @@
       </p:sp>
       <p:sp>
         <p:nvSpPr>
-          <p:cNvPr id="151" name="Google Shape;151;g5adfddef51_0_141:notes"/>
+          <p:cNvPr id="153" name="Google Shape;153;g5adfddef51_0_136:notes"/>
           <p:cNvSpPr txBox="1"/>
           <p:nvPr>
             <p:ph idx="1" type="body"/>
@@ -1108,7 +1108,7 @@
   <p:cSld>
     <p:spTree>
       <p:nvGrpSpPr>
-        <p:cNvPr id="155" name="Shape 155"/>
+        <p:cNvPr id="158" name="Shape 158"/>
         <p:cNvGrpSpPr/>
         <p:nvPr/>
       </p:nvGrpSpPr>
@@ -1122,7 +1122,7 @@
       </p:grpSpPr>
       <p:sp>
         <p:nvSpPr>
-          <p:cNvPr id="156" name="Google Shape;156;g5adfddef51_0_146:notes"/>
+          <p:cNvPr id="159" name="Google Shape;159;g5bdfeb0873_0_24:notes"/>
           <p:cNvSpPr/>
           <p:nvPr>
             <p:ph idx="2" type="sldImg"/>
@@ -1157,7 +1157,7 @@
       </p:sp>
       <p:sp>
         <p:nvSpPr>
-          <p:cNvPr id="157" name="Google Shape;157;g5adfddef51_0_146:notes"/>
+          <p:cNvPr id="160" name="Google Shape;160;g5bdfeb0873_0_24:notes"/>
           <p:cNvSpPr txBox="1"/>
           <p:nvPr>
             <p:ph idx="1" type="body"/>
@@ -1207,7 +1207,7 @@
   <p:cSld>
     <p:spTree>
       <p:nvGrpSpPr>
-        <p:cNvPr id="161" name="Shape 161"/>
+        <p:cNvPr id="164" name="Shape 164"/>
         <p:cNvGrpSpPr/>
         <p:nvPr/>
       </p:nvGrpSpPr>
@@ -1221,7 +1221,7 @@
       </p:grpSpPr>
       <p:sp>
         <p:nvSpPr>
-          <p:cNvPr id="162" name="Google Shape;162;g5adfddef51_0_151:notes"/>
+          <p:cNvPr id="165" name="Google Shape;165;g5adfddef51_0_151:notes"/>
           <p:cNvSpPr/>
           <p:nvPr>
             <p:ph idx="2" type="sldImg"/>
@@ -1256,7 +1256,7 @@
       </p:sp>
       <p:sp>
         <p:nvSpPr>
-          <p:cNvPr id="163" name="Google Shape;163;g5adfddef51_0_151:notes"/>
+          <p:cNvPr id="166" name="Google Shape;166;g5adfddef51_0_151:notes"/>
           <p:cNvSpPr txBox="1"/>
           <p:nvPr>
             <p:ph idx="1" type="body"/>
@@ -1306,7 +1306,7 @@
   <p:cSld>
     <p:spTree>
       <p:nvGrpSpPr>
-        <p:cNvPr id="167" name="Shape 167"/>
+        <p:cNvPr id="170" name="Shape 170"/>
         <p:cNvGrpSpPr/>
         <p:nvPr/>
       </p:nvGrpSpPr>
@@ -1320,7 +1320,7 @@
       </p:grpSpPr>
       <p:sp>
         <p:nvSpPr>
-          <p:cNvPr id="168" name="Google Shape;168;g5adfddef51_0_101:notes"/>
+          <p:cNvPr id="171" name="Google Shape;171;g5adfddef51_0_101:notes"/>
           <p:cNvSpPr/>
           <p:nvPr>
             <p:ph idx="2" type="sldImg"/>
@@ -1355,7 +1355,7 @@
       </p:sp>
       <p:sp>
         <p:nvSpPr>
-          <p:cNvPr id="169" name="Google Shape;169;g5adfddef51_0_101:notes"/>
+          <p:cNvPr id="172" name="Google Shape;172;g5adfddef51_0_101:notes"/>
           <p:cNvSpPr txBox="1"/>
           <p:nvPr>
             <p:ph idx="1" type="body"/>
@@ -8882,7 +8882,7 @@
   <p:cSld>
     <p:spTree>
       <p:nvGrpSpPr>
-        <p:cNvPr id="140" name="Shape 140"/>
+        <p:cNvPr id="142" name="Shape 142"/>
         <p:cNvGrpSpPr/>
         <p:nvPr/>
       </p:nvGrpSpPr>
@@ -8896,7 +8896,7 @@
       </p:grpSpPr>
       <p:sp>
         <p:nvSpPr>
-          <p:cNvPr id="141" name="Google Shape;141;p22"/>
+          <p:cNvPr id="143" name="Google Shape;143;p22"/>
           <p:cNvSpPr txBox="1"/>
           <p:nvPr>
             <p:ph type="title"/>
@@ -8933,6 +8933,164 @@
                 <a:cs typeface="Times New Roman"/>
                 <a:sym typeface="Times New Roman"/>
               </a:rPr>
+              <a:t>Test 2 Results</a:t>
+            </a:r>
+            <a:endParaRPr sz="3600">
+              <a:latin typeface="Times New Roman"/>
+              <a:ea typeface="Times New Roman"/>
+              <a:cs typeface="Times New Roman"/>
+              <a:sym typeface="Times New Roman"/>
+            </a:endParaRPr>
+          </a:p>
+        </p:txBody>
+      </p:sp>
+      <p:sp>
+        <p:nvSpPr>
+          <p:cNvPr id="144" name="Google Shape;144;p22"/>
+          <p:cNvSpPr txBox="1"/>
+          <p:nvPr>
+            <p:ph idx="1" type="body"/>
+          </p:nvPr>
+        </p:nvSpPr>
+        <p:spPr>
+          <a:xfrm>
+            <a:off x="311700" y="1229875"/>
+            <a:ext cx="8520600" cy="3339000"/>
+          </a:xfrm>
+          <a:prstGeom prst="rect">
+            <a:avLst/>
+          </a:prstGeom>
+        </p:spPr>
+        <p:txBody>
+          <a:bodyPr anchorCtr="0" anchor="t" bIns="91425" lIns="91425" spcFirstLastPara="1" rIns="91425" wrap="square" tIns="91425">
+            <a:noAutofit/>
+          </a:bodyPr>
+          <a:lstStyle/>
+          <a:p>
+            <a:pPr indent="0" lvl="0" marL="457200" rtl="0" algn="l">
+              <a:lnSpc>
+                <a:spcPct val="200000"/>
+              </a:lnSpc>
+              <a:spcBef>
+                <a:spcPts val="0"/>
+              </a:spcBef>
+              <a:spcAft>
+                <a:spcPts val="0"/>
+              </a:spcAft>
+              <a:buNone/>
+            </a:pPr>
+            <a:r>
+              <a:rPr lang="en" sz="1200">
+                <a:solidFill>
+                  <a:srgbClr val="000000"/>
+                </a:solidFill>
+                <a:latin typeface="Times New Roman"/>
+                <a:ea typeface="Times New Roman"/>
+                <a:cs typeface="Times New Roman"/>
+                <a:sym typeface="Times New Roman"/>
+              </a:rPr>
+              <a:t>These results are as expected, but there are a couple interesting tidbits. As the algorithms were disabled, results for 5% selectivity increased for both clustered and unclustered </a:t>
+            </a:r>
+            <a:r>
+              <a:rPr lang="en" sz="1200">
+                <a:solidFill>
+                  <a:srgbClr val="000000"/>
+                </a:solidFill>
+                <a:latin typeface="Times New Roman"/>
+                <a:ea typeface="Times New Roman"/>
+                <a:cs typeface="Times New Roman"/>
+                <a:sym typeface="Times New Roman"/>
+              </a:rPr>
+              <a:t>indexes</a:t>
+            </a:r>
+            <a:r>
+              <a:rPr lang="en" sz="1200">
+                <a:solidFill>
+                  <a:srgbClr val="000000"/>
+                </a:solidFill>
+                <a:latin typeface="Times New Roman"/>
+                <a:ea typeface="Times New Roman"/>
+                <a:cs typeface="Times New Roman"/>
+                <a:sym typeface="Times New Roman"/>
+              </a:rPr>
+              <a:t>. For 15% selectivity, merge join actually outperformed the hash join by a fairly significant amount. At 55% selectivity, the various algorithms behaved rather similarly.</a:t>
+            </a:r>
+            <a:endParaRPr>
+              <a:solidFill>
+                <a:srgbClr val="000000"/>
+              </a:solidFill>
+              <a:latin typeface="Times New Roman"/>
+              <a:ea typeface="Times New Roman"/>
+              <a:cs typeface="Times New Roman"/>
+              <a:sym typeface="Times New Roman"/>
+            </a:endParaRPr>
+          </a:p>
+        </p:txBody>
+      </p:sp>
+    </p:spTree>
+  </p:cSld>
+  <p:clrMapOvr>
+    <a:masterClrMapping/>
+  </p:clrMapOvr>
+</p:sld>
+</file>
+
+<file path=ppt/slides/slide11.xml><?xml version="1.0" encoding="utf-8"?>
+<p:sld xmlns:a="http://schemas.openxmlformats.org/drawingml/2006/main" xmlns:r="http://schemas.openxmlformats.org/officeDocument/2006/relationships" xmlns:mc="http://schemas.openxmlformats.org/markup-compatibility/2006" xmlns:mv="urn:schemas-microsoft-com:mac:vml" xmlns:p="http://schemas.openxmlformats.org/presentationml/2006/main" xmlns:c="http://schemas.openxmlformats.org/drawingml/2006/chart" xmlns:dgm="http://schemas.openxmlformats.org/drawingml/2006/diagram" xmlns:o="urn:schemas-microsoft-com:office:office" xmlns:v="urn:schemas-microsoft-com:vml" xmlns:pvml="urn:schemas-microsoft-com:office:powerpoint" xmlns:com="http://schemas.openxmlformats.org/drawingml/2006/compatibility" xmlns:p14="http://schemas.microsoft.com/office/powerpoint/2010/main" xmlns:p15="http://schemas.microsoft.com/office/powerpoint/2012/main">
+  <p:cSld>
+    <p:spTree>
+      <p:nvGrpSpPr>
+        <p:cNvPr id="148" name="Shape 148"/>
+        <p:cNvGrpSpPr/>
+        <p:nvPr/>
+      </p:nvGrpSpPr>
+      <p:grpSpPr>
+        <a:xfrm>
+          <a:off x="0" y="0"/>
+          <a:ext cx="0" cy="0"/>
+          <a:chOff x="0" y="0"/>
+          <a:chExt cx="0" cy="0"/>
+        </a:xfrm>
+      </p:grpSpPr>
+      <p:sp>
+        <p:nvSpPr>
+          <p:cNvPr id="149" name="Google Shape;149;p23"/>
+          <p:cNvSpPr txBox="1"/>
+          <p:nvPr>
+            <p:ph type="title"/>
+          </p:nvPr>
+        </p:nvSpPr>
+        <p:spPr>
+          <a:xfrm>
+            <a:off x="311700" y="410000"/>
+            <a:ext cx="8520600" cy="607800"/>
+          </a:xfrm>
+          <a:prstGeom prst="rect">
+            <a:avLst/>
+          </a:prstGeom>
+        </p:spPr>
+        <p:txBody>
+          <a:bodyPr anchorCtr="0" anchor="t" bIns="91425" lIns="91425" spcFirstLastPara="1" rIns="91425" wrap="square" tIns="91425">
+            <a:noAutofit/>
+          </a:bodyPr>
+          <a:lstStyle/>
+          <a:p>
+            <a:pPr indent="0" lvl="0" marL="0" rtl="0" algn="l">
+              <a:spcBef>
+                <a:spcPts val="0"/>
+              </a:spcBef>
+              <a:spcAft>
+                <a:spcPts val="0"/>
+              </a:spcAft>
+              <a:buNone/>
+            </a:pPr>
+            <a:r>
+              <a:rPr lang="en" sz="3600">
+                <a:latin typeface="Times New Roman"/>
+                <a:ea typeface="Times New Roman"/>
+                <a:cs typeface="Times New Roman"/>
+                <a:sym typeface="Times New Roman"/>
+              </a:rPr>
               <a:t>Test 3</a:t>
             </a:r>
             <a:endParaRPr sz="3600">
@@ -8946,7 +9104,7 @@
       </p:sp>
       <p:sp>
         <p:nvSpPr>
-          <p:cNvPr id="142" name="Google Shape;142;p22"/>
+          <p:cNvPr id="150" name="Google Shape;150;p23"/>
           <p:cNvSpPr txBox="1"/>
           <p:nvPr>
             <p:ph idx="1" type="body"/>
@@ -8982,7 +9140,13 @@
               <a:buChar char="●"/>
             </a:pPr>
             <a:r>
-              <a:t/>
+              <a:rPr lang="en">
+                <a:latin typeface="Times New Roman"/>
+                <a:ea typeface="Times New Roman"/>
+                <a:cs typeface="Times New Roman"/>
+                <a:sym typeface="Times New Roman"/>
+              </a:rPr>
+              <a:t>Hot vs. Cold</a:t>
             </a:r>
             <a:endParaRPr>
               <a:latin typeface="Times New Roman"/>
@@ -8991,105 +9155,37 @@
               <a:sym typeface="Times New Roman"/>
             </a:endParaRPr>
           </a:p>
-        </p:txBody>
-      </p:sp>
-    </p:spTree>
-  </p:cSld>
-  <p:clrMapOvr>
-    <a:masterClrMapping/>
-  </p:clrMapOvr>
-</p:sld>
-</file>
-
-<file path=ppt/slides/slide11.xml><?xml version="1.0" encoding="utf-8"?>
-<p:sld xmlns:a="http://schemas.openxmlformats.org/drawingml/2006/main" xmlns:r="http://schemas.openxmlformats.org/officeDocument/2006/relationships" xmlns:mc="http://schemas.openxmlformats.org/markup-compatibility/2006" xmlns:mv="urn:schemas-microsoft-com:mac:vml" xmlns:p="http://schemas.openxmlformats.org/presentationml/2006/main" xmlns:c="http://schemas.openxmlformats.org/drawingml/2006/chart" xmlns:dgm="http://schemas.openxmlformats.org/drawingml/2006/diagram" xmlns:o="urn:schemas-microsoft-com:office:office" xmlns:v="urn:schemas-microsoft-com:vml" xmlns:pvml="urn:schemas-microsoft-com:office:powerpoint" xmlns:com="http://schemas.openxmlformats.org/drawingml/2006/compatibility" xmlns:p14="http://schemas.microsoft.com/office/powerpoint/2010/main" xmlns:p15="http://schemas.microsoft.com/office/powerpoint/2012/main">
-  <p:cSld>
-    <p:spTree>
-      <p:nvGrpSpPr>
-        <p:cNvPr id="146" name="Shape 146"/>
-        <p:cNvGrpSpPr/>
-        <p:nvPr/>
-      </p:nvGrpSpPr>
-      <p:grpSpPr>
-        <a:xfrm>
-          <a:off x="0" y="0"/>
-          <a:ext cx="0" cy="0"/>
-          <a:chOff x="0" y="0"/>
-          <a:chExt cx="0" cy="0"/>
-        </a:xfrm>
-      </p:grpSpPr>
-      <p:sp>
-        <p:nvSpPr>
-          <p:cNvPr id="147" name="Google Shape;147;p23"/>
-          <p:cNvSpPr txBox="1"/>
-          <p:nvPr>
-            <p:ph type="title"/>
-          </p:nvPr>
-        </p:nvSpPr>
-        <p:spPr>
-          <a:xfrm>
-            <a:off x="311700" y="410000"/>
-            <a:ext cx="8520600" cy="607800"/>
-          </a:xfrm>
-          <a:prstGeom prst="rect">
-            <a:avLst/>
-          </a:prstGeom>
-        </p:spPr>
-        <p:txBody>
-          <a:bodyPr anchorCtr="0" anchor="t" bIns="91425" lIns="91425" spcFirstLastPara="1" rIns="91425" wrap="square" tIns="91425">
-            <a:noAutofit/>
-          </a:bodyPr>
-          <a:lstStyle/>
           <a:p>
-            <a:pPr indent="0" lvl="0" marL="0" rtl="0" algn="l">
-              <a:spcBef>
-                <a:spcPts val="0"/>
-              </a:spcBef>
-              <a:spcAft>
-                <a:spcPts val="0"/>
-              </a:spcAft>
-              <a:buNone/>
+            <a:pPr indent="-342900" lvl="0" marL="457200" rtl="0" algn="l">
+              <a:lnSpc>
+                <a:spcPct val="200000"/>
+              </a:lnSpc>
+              <a:spcBef>
+                <a:spcPts val="0"/>
+              </a:spcBef>
+              <a:spcAft>
+                <a:spcPts val="0"/>
+              </a:spcAft>
+              <a:buSzPts val="1800"/>
+              <a:buFont typeface="Times New Roman"/>
+              <a:buChar char="●"/>
             </a:pPr>
             <a:r>
-              <a:rPr lang="en" sz="3600">
+              <a:rPr lang="en">
                 <a:latin typeface="Times New Roman"/>
                 <a:ea typeface="Times New Roman"/>
                 <a:cs typeface="Times New Roman"/>
                 <a:sym typeface="Times New Roman"/>
               </a:rPr>
-              <a:t>Test 3</a:t>
+              <a:t>Run queries with 2% and 55% selectivity on 100k tuples and 1 million tuple relations</a:t>
             </a:r>
-            <a:endParaRPr sz="3600">
+            <a:endParaRPr>
               <a:latin typeface="Times New Roman"/>
               <a:ea typeface="Times New Roman"/>
               <a:cs typeface="Times New Roman"/>
               <a:sym typeface="Times New Roman"/>
             </a:endParaRPr>
           </a:p>
-        </p:txBody>
-      </p:sp>
-      <p:sp>
-        <p:nvSpPr>
-          <p:cNvPr id="148" name="Google Shape;148;p23"/>
-          <p:cNvSpPr txBox="1"/>
-          <p:nvPr>
-            <p:ph idx="1" type="body"/>
-          </p:nvPr>
-        </p:nvSpPr>
-        <p:spPr>
-          <a:xfrm>
-            <a:off x="311700" y="1229875"/>
-            <a:ext cx="8520600" cy="3339000"/>
-          </a:xfrm>
-          <a:prstGeom prst="rect">
-            <a:avLst/>
-          </a:prstGeom>
-        </p:spPr>
-        <p:txBody>
-          <a:bodyPr anchorCtr="0" anchor="t" bIns="91425" lIns="91425" spcFirstLastPara="1" rIns="91425" wrap="square" tIns="91425">
-            <a:noAutofit/>
-          </a:bodyPr>
-          <a:lstStyle/>
           <a:p>
             <a:pPr indent="-342900" lvl="0" marL="457200" rtl="0" algn="l">
               <a:lnSpc>
@@ -9106,7 +9202,44 @@
               <a:buChar char="●"/>
             </a:pPr>
             <a:r>
-              <a:t/>
+              <a:rPr lang="en">
+                <a:latin typeface="Times New Roman"/>
+                <a:ea typeface="Times New Roman"/>
+                <a:cs typeface="Times New Roman"/>
+                <a:sym typeface="Times New Roman"/>
+              </a:rPr>
+              <a:t>Test cold run by completely restarting virtual machine containing Postgres installation before each run</a:t>
+            </a:r>
+            <a:endParaRPr>
+              <a:latin typeface="Times New Roman"/>
+              <a:ea typeface="Times New Roman"/>
+              <a:cs typeface="Times New Roman"/>
+              <a:sym typeface="Times New Roman"/>
+            </a:endParaRPr>
+          </a:p>
+          <a:p>
+            <a:pPr indent="-342900" lvl="0" marL="457200" rtl="0" algn="l">
+              <a:lnSpc>
+                <a:spcPct val="200000"/>
+              </a:lnSpc>
+              <a:spcBef>
+                <a:spcPts val="0"/>
+              </a:spcBef>
+              <a:spcAft>
+                <a:spcPts val="0"/>
+              </a:spcAft>
+              <a:buSzPts val="1800"/>
+              <a:buFont typeface="Times New Roman"/>
+              <a:buChar char="●"/>
+            </a:pPr>
+            <a:r>
+              <a:rPr lang="en">
+                <a:latin typeface="Times New Roman"/>
+                <a:ea typeface="Times New Roman"/>
+                <a:cs typeface="Times New Roman"/>
+                <a:sym typeface="Times New Roman"/>
+              </a:rPr>
+              <a:t>Comparing hot vs. cold, it is expected that hot should perform significantly faster</a:t>
             </a:r>
             <a:endParaRPr>
               <a:latin typeface="Times New Roman"/>
@@ -9130,7 +9263,7 @@
   <p:cSld>
     <p:spTree>
       <p:nvGrpSpPr>
-        <p:cNvPr id="152" name="Shape 152"/>
+        <p:cNvPr id="154" name="Shape 154"/>
         <p:cNvGrpSpPr/>
         <p:nvPr/>
       </p:nvGrpSpPr>
@@ -9144,7 +9277,7 @@
       </p:grpSpPr>
       <p:sp>
         <p:nvSpPr>
-          <p:cNvPr id="153" name="Google Shape;153;p24"/>
+          <p:cNvPr id="155" name="Google Shape;155;p24"/>
           <p:cNvSpPr txBox="1"/>
           <p:nvPr>
             <p:ph type="title"/>
@@ -9181,7 +9314,7 @@
                 <a:cs typeface="Times New Roman"/>
                 <a:sym typeface="Times New Roman"/>
               </a:rPr>
-              <a:t>Test 4</a:t>
+              <a:t>Test 3 Results</a:t>
             </a:r>
             <a:endParaRPr sz="3600">
               <a:latin typeface="Times New Roman"/>
@@ -9192,55 +9325,62 @@
           </a:p>
         </p:txBody>
       </p:sp>
-      <p:sp>
-        <p:nvSpPr>
-          <p:cNvPr id="154" name="Google Shape;154;p24"/>
-          <p:cNvSpPr txBox="1"/>
-          <p:nvPr>
-            <p:ph idx="1" type="body"/>
-          </p:nvPr>
-        </p:nvSpPr>
+      <p:pic>
+        <p:nvPicPr>
+          <p:cNvPr id="156" name="Google Shape;156;p24"/>
+          <p:cNvPicPr preferRelativeResize="0"/>
+          <p:nvPr/>
+        </p:nvPicPr>
+        <p:blipFill>
+          <a:blip r:embed="rId3">
+            <a:alphaModFix/>
+          </a:blip>
+          <a:stretch>
+            <a:fillRect/>
+          </a:stretch>
+        </p:blipFill>
         <p:spPr>
           <a:xfrm>
-            <a:off x="311700" y="1229875"/>
-            <a:ext cx="8520600" cy="3339000"/>
+            <a:off x="3434275" y="616500"/>
+            <a:ext cx="3618975" cy="1619175"/>
           </a:xfrm>
           <a:prstGeom prst="rect">
             <a:avLst/>
           </a:prstGeom>
+          <a:noFill/>
+          <a:ln>
+            <a:noFill/>
+          </a:ln>
         </p:spPr>
-        <p:txBody>
-          <a:bodyPr anchorCtr="0" anchor="t" bIns="91425" lIns="91425" spcFirstLastPara="1" rIns="91425" wrap="square" tIns="91425">
-            <a:noAutofit/>
-          </a:bodyPr>
-          <a:lstStyle/>
-          <a:p>
-            <a:pPr indent="-342900" lvl="0" marL="457200" rtl="0" algn="l">
-              <a:lnSpc>
-                <a:spcPct val="200000"/>
-              </a:lnSpc>
-              <a:spcBef>
-                <a:spcPts val="0"/>
-              </a:spcBef>
-              <a:spcAft>
-                <a:spcPts val="0"/>
-              </a:spcAft>
-              <a:buSzPts val="1800"/>
-              <a:buFont typeface="Times New Roman"/>
-              <a:buChar char="●"/>
-            </a:pPr>
-            <a:r>
-              <a:t/>
-            </a:r>
-            <a:endParaRPr>
-              <a:latin typeface="Times New Roman"/>
-              <a:ea typeface="Times New Roman"/>
-              <a:cs typeface="Times New Roman"/>
-              <a:sym typeface="Times New Roman"/>
-            </a:endParaRPr>
-          </a:p>
-        </p:txBody>
-      </p:sp>
+      </p:pic>
+      <p:pic>
+        <p:nvPicPr>
+          <p:cNvPr id="157" name="Google Shape;157;p24"/>
+          <p:cNvPicPr preferRelativeResize="0"/>
+          <p:nvPr/>
+        </p:nvPicPr>
+        <p:blipFill>
+          <a:blip r:embed="rId4">
+            <a:alphaModFix/>
+          </a:blip>
+          <a:stretch>
+            <a:fillRect/>
+          </a:stretch>
+        </p:blipFill>
+        <p:spPr>
+          <a:xfrm>
+            <a:off x="3434275" y="2235675"/>
+            <a:ext cx="3618975" cy="1604824"/>
+          </a:xfrm>
+          <a:prstGeom prst="rect">
+            <a:avLst/>
+          </a:prstGeom>
+          <a:noFill/>
+          <a:ln>
+            <a:noFill/>
+          </a:ln>
+        </p:spPr>
+      </p:pic>
     </p:spTree>
   </p:cSld>
   <p:clrMapOvr>
@@ -9254,7 +9394,7 @@
   <p:cSld>
     <p:spTree>
       <p:nvGrpSpPr>
-        <p:cNvPr id="158" name="Shape 158"/>
+        <p:cNvPr id="161" name="Shape 161"/>
         <p:cNvGrpSpPr/>
         <p:nvPr/>
       </p:nvGrpSpPr>
@@ -9268,7 +9408,7 @@
       </p:grpSpPr>
       <p:sp>
         <p:nvSpPr>
-          <p:cNvPr id="159" name="Google Shape;159;p25"/>
+          <p:cNvPr id="162" name="Google Shape;162;p25"/>
           <p:cNvSpPr txBox="1"/>
           <p:nvPr>
             <p:ph type="title"/>
@@ -9305,7 +9445,7 @@
                 <a:cs typeface="Times New Roman"/>
                 <a:sym typeface="Times New Roman"/>
               </a:rPr>
-              <a:t>Test 4</a:t>
+              <a:t>Test 3 Results</a:t>
             </a:r>
             <a:endParaRPr sz="3600">
               <a:latin typeface="Times New Roman"/>
@@ -9318,7 +9458,7 @@
       </p:sp>
       <p:sp>
         <p:nvSpPr>
-          <p:cNvPr id="160" name="Google Shape;160;p25"/>
+          <p:cNvPr id="163" name="Google Shape;163;p25"/>
           <p:cNvSpPr txBox="1"/>
           <p:nvPr>
             <p:ph idx="1" type="body"/>
@@ -9339,7 +9479,7 @@
           </a:bodyPr>
           <a:lstStyle/>
           <a:p>
-            <a:pPr indent="-342900" lvl="0" marL="457200" rtl="0" algn="l">
+            <a:pPr indent="0" lvl="0" marL="457200" rtl="0" algn="l">
               <a:lnSpc>
                 <a:spcPct val="200000"/>
               </a:lnSpc>
@@ -9349,12 +9489,19 @@
               <a:spcAft>
                 <a:spcPts val="0"/>
               </a:spcAft>
-              <a:buSzPts val="1800"/>
-              <a:buFont typeface="Times New Roman"/>
-              <a:buChar char="●"/>
+              <a:buNone/>
             </a:pPr>
             <a:r>
-              <a:t/>
+              <a:rPr lang="en" sz="1200">
+                <a:solidFill>
+                  <a:srgbClr val="000000"/>
+                </a:solidFill>
+                <a:latin typeface="Times New Roman"/>
+                <a:ea typeface="Times New Roman"/>
+                <a:cs typeface="Times New Roman"/>
+                <a:sym typeface="Times New Roman"/>
+              </a:rPr>
+              <a:t>As expected, the first load of a join query after a server restart is slower than subsequent runs. Rather surprisingly though, the timing saved is not very significant. I expected significant differences in the times, but they are much closer than I had expected. An interesting side note; the computer crashed during the unclustered search with a million relations. This could be due to computational limits, or the table itself could have issues with its values.</a:t>
             </a:r>
             <a:endParaRPr>
               <a:latin typeface="Times New Roman"/>
@@ -9378,7 +9525,7 @@
   <p:cSld>
     <p:spTree>
       <p:nvGrpSpPr>
-        <p:cNvPr id="164" name="Shape 164"/>
+        <p:cNvPr id="167" name="Shape 167"/>
         <p:cNvGrpSpPr/>
         <p:nvPr/>
       </p:nvGrpSpPr>
@@ -9392,7 +9539,7 @@
       </p:grpSpPr>
       <p:sp>
         <p:nvSpPr>
-          <p:cNvPr id="165" name="Google Shape;165;p26"/>
+          <p:cNvPr id="168" name="Google Shape;168;p26"/>
           <p:cNvSpPr txBox="1"/>
           <p:nvPr>
             <p:ph type="title"/>
@@ -9442,7 +9589,7 @@
       </p:sp>
       <p:sp>
         <p:nvSpPr>
-          <p:cNvPr id="166" name="Google Shape;166;p26"/>
+          <p:cNvPr id="169" name="Google Shape;169;p26"/>
           <p:cNvSpPr txBox="1"/>
           <p:nvPr>
             <p:ph idx="1" type="body"/>
@@ -9463,7 +9610,7 @@
           </a:bodyPr>
           <a:lstStyle/>
           <a:p>
-            <a:pPr indent="-342900" lvl="0" marL="457200" rtl="0" algn="l">
+            <a:pPr indent="0" lvl="0" marL="0" rtl="0" algn="l">
               <a:lnSpc>
                 <a:spcPct val="200000"/>
               </a:lnSpc>
@@ -9473,14 +9620,18 @@
               <a:spcAft>
                 <a:spcPts val="0"/>
               </a:spcAft>
-              <a:buSzPts val="1800"/>
-              <a:buFont typeface="Times New Roman"/>
-              <a:buChar char="●"/>
+              <a:buNone/>
             </a:pPr>
             <a:r>
-              <a:t/>
+              <a:rPr lang="en">
+                <a:latin typeface="Times New Roman"/>
+                <a:ea typeface="Times New Roman"/>
+                <a:cs typeface="Times New Roman"/>
+                <a:sym typeface="Times New Roman"/>
+              </a:rPr>
+              <a:t>	To conclude, this benchmark shows that the default Postgres values perform very well, and forcing the database to use less optimization, while impactful, has a minimal effect on database performance.</a:t>
             </a:r>
-            <a:endParaRPr>
+            <a:endParaRPr sz="1200">
               <a:latin typeface="Times New Roman"/>
               <a:ea typeface="Times New Roman"/>
               <a:cs typeface="Times New Roman"/>
@@ -9502,7 +9653,7 @@
   <p:cSld>
     <p:spTree>
       <p:nvGrpSpPr>
-        <p:cNvPr id="170" name="Shape 170"/>
+        <p:cNvPr id="173" name="Shape 173"/>
         <p:cNvGrpSpPr/>
         <p:nvPr/>
       </p:nvGrpSpPr>
@@ -9516,7 +9667,7 @@
       </p:grpSpPr>
       <p:sp>
         <p:nvSpPr>
-          <p:cNvPr id="171" name="Google Shape;171;p27"/>
+          <p:cNvPr id="174" name="Google Shape;174;p27"/>
           <p:cNvSpPr txBox="1"/>
           <p:nvPr>
             <p:ph type="title"/>
@@ -9556,7 +9707,7 @@
       </p:sp>
       <p:sp>
         <p:nvSpPr>
-          <p:cNvPr id="172" name="Google Shape;172;p27"/>
+          <p:cNvPr id="175" name="Google Shape;175;p27"/>
           <p:cNvSpPr txBox="1"/>
           <p:nvPr>
             <p:ph idx="1" type="body"/>
@@ -9577,33 +9728,82 @@
           </a:bodyPr>
           <a:lstStyle/>
           <a:p>
-            <a:pPr indent="-298450" lvl="0" marL="457200" rtl="0" algn="l">
-              <a:spcBef>
-                <a:spcPts val="0"/>
-              </a:spcBef>
-              <a:spcAft>
-                <a:spcPts val="0"/>
-              </a:spcAft>
-              <a:buClr>
-                <a:srgbClr val="000000"/>
-              </a:buClr>
-              <a:buSzPts val="1100"/>
-              <a:buFont typeface="Arial"/>
-              <a:buChar char="●"/>
+            <a:pPr indent="457200" lvl="0" marL="0" rtl="0" algn="l">
+              <a:lnSpc>
+                <a:spcPct val="200000"/>
+              </a:lnSpc>
+              <a:spcBef>
+                <a:spcPts val="0"/>
+              </a:spcBef>
+              <a:spcAft>
+                <a:spcPts val="0"/>
+              </a:spcAft>
+              <a:buNone/>
             </a:pPr>
             <a:r>
-              <a:rPr lang="en" sz="1100">
-                <a:solidFill>
-                  <a:srgbClr val="000000"/>
-                </a:solidFill>
-                <a:latin typeface="Arial"/>
-                <a:ea typeface="Arial"/>
-                <a:cs typeface="Arial"/>
-                <a:sym typeface="Arial"/>
+              <a:rPr lang="en" sz="1200">
+                <a:latin typeface="Times New Roman"/>
+                <a:ea typeface="Times New Roman"/>
+                <a:cs typeface="Times New Roman"/>
+                <a:sym typeface="Times New Roman"/>
               </a:rPr>
-              <a:t>~1 slide lessons learned</a:t>
+              <a:t>The biggest lesson I learned is that despite many changes in settings including disabling many features that make performance better, the database still performed quite adequately. While there were measurable differences in performance time, the queries still performed quite well. The DBMS has many plan b methods when things don’t work out.</a:t>
             </a:r>
-            <a:endParaRPr/>
+            <a:endParaRPr sz="1200">
+              <a:latin typeface="Times New Roman"/>
+              <a:ea typeface="Times New Roman"/>
+              <a:cs typeface="Times New Roman"/>
+              <a:sym typeface="Times New Roman"/>
+            </a:endParaRPr>
+          </a:p>
+          <a:p>
+            <a:pPr indent="0" lvl="0" marL="0" rtl="0" algn="l">
+              <a:lnSpc>
+                <a:spcPct val="200000"/>
+              </a:lnSpc>
+              <a:spcBef>
+                <a:spcPts val="0"/>
+              </a:spcBef>
+              <a:spcAft>
+                <a:spcPts val="0"/>
+              </a:spcAft>
+              <a:buNone/>
+            </a:pPr>
+            <a:r>
+              <a:rPr lang="en" sz="1200">
+                <a:latin typeface="Times New Roman"/>
+                <a:ea typeface="Times New Roman"/>
+                <a:cs typeface="Times New Roman"/>
+                <a:sym typeface="Times New Roman"/>
+              </a:rPr>
+              <a:t>        	It was difficult to determine the effect of an SSD, since I did not have an equivalent system with a standard HDD. Surely the SSD had a significant increase in performance, but the amount of the effect went untested.</a:t>
+            </a:r>
+            <a:endParaRPr sz="1200">
+              <a:latin typeface="Times New Roman"/>
+              <a:ea typeface="Times New Roman"/>
+              <a:cs typeface="Times New Roman"/>
+              <a:sym typeface="Times New Roman"/>
+            </a:endParaRPr>
+          </a:p>
+          <a:p>
+            <a:pPr indent="0" lvl="0" marL="0" rtl="0" algn="l">
+              <a:spcBef>
+                <a:spcPts val="0"/>
+              </a:spcBef>
+              <a:spcAft>
+                <a:spcPts val="0"/>
+              </a:spcAft>
+              <a:buNone/>
+            </a:pPr>
+            <a:r>
+              <a:t/>
+            </a:r>
+            <a:endParaRPr sz="1200">
+              <a:latin typeface="Times New Roman"/>
+              <a:ea typeface="Times New Roman"/>
+              <a:cs typeface="Times New Roman"/>
+              <a:sym typeface="Times New Roman"/>
+            </a:endParaRPr>
           </a:p>
         </p:txBody>
       </p:sp>
@@ -10944,9 +11144,61 @@
               <a:buChar char="●"/>
             </a:pPr>
             <a:r>
-              <a:t/>
+              <a:rPr lang="en">
+                <a:solidFill>
+                  <a:srgbClr val="000000"/>
+                </a:solidFill>
+                <a:latin typeface="Times New Roman"/>
+                <a:ea typeface="Times New Roman"/>
+                <a:cs typeface="Times New Roman"/>
+                <a:sym typeface="Times New Roman"/>
+              </a:rPr>
+              <a:t>Each join algorithm will be timed as before, then it will be disabled</a:t>
             </a:r>
             <a:endParaRPr>
+              <a:solidFill>
+                <a:srgbClr val="000000"/>
+              </a:solidFill>
+              <a:latin typeface="Times New Roman"/>
+              <a:ea typeface="Times New Roman"/>
+              <a:cs typeface="Times New Roman"/>
+              <a:sym typeface="Times New Roman"/>
+            </a:endParaRPr>
+          </a:p>
+          <a:p>
+            <a:pPr indent="-342900" lvl="0" marL="457200" rtl="0" algn="l">
+              <a:lnSpc>
+                <a:spcPct val="200000"/>
+              </a:lnSpc>
+              <a:spcBef>
+                <a:spcPts val="0"/>
+              </a:spcBef>
+              <a:spcAft>
+                <a:spcPts val="0"/>
+              </a:spcAft>
+              <a:buClr>
+                <a:srgbClr val="000000"/>
+              </a:buClr>
+              <a:buSzPts val="1800"/>
+              <a:buFont typeface="Times New Roman"/>
+              <a:buChar char="●"/>
+            </a:pPr>
+            <a:r>
+              <a:rPr lang="en">
+                <a:solidFill>
+                  <a:srgbClr val="000000"/>
+                </a:solidFill>
+                <a:latin typeface="Times New Roman"/>
+                <a:ea typeface="Times New Roman"/>
+                <a:cs typeface="Times New Roman"/>
+                <a:sym typeface="Times New Roman"/>
+              </a:rPr>
+              <a:t>Expected results are increased run times as algorithms are disabled</a:t>
+            </a:r>
+            <a:endParaRPr>
+              <a:solidFill>
+                <a:srgbClr val="000000"/>
+              </a:solidFill>
               <a:latin typeface="Times New Roman"/>
               <a:ea typeface="Times New Roman"/>
               <a:cs typeface="Times New Roman"/>
@@ -11019,7 +11271,7 @@
                 <a:cs typeface="Times New Roman"/>
                 <a:sym typeface="Times New Roman"/>
               </a:rPr>
-              <a:t>Test 2</a:t>
+              <a:t>Test 2 Results</a:t>
             </a:r>
             <a:endParaRPr sz="3600">
               <a:latin typeface="Times New Roman"/>
@@ -11030,55 +11282,90 @@
           </a:p>
         </p:txBody>
       </p:sp>
-      <p:sp>
-        <p:nvSpPr>
+      <p:pic>
+        <p:nvPicPr>
           <p:cNvPr id="136" name="Google Shape;136;p21"/>
-          <p:cNvSpPr txBox="1"/>
-          <p:nvPr>
-            <p:ph idx="1" type="body"/>
-          </p:nvPr>
-        </p:nvSpPr>
+          <p:cNvPicPr preferRelativeResize="0"/>
+          <p:nvPr/>
+        </p:nvPicPr>
+        <p:blipFill>
+          <a:blip r:embed="rId3">
+            <a:alphaModFix/>
+          </a:blip>
+          <a:stretch>
+            <a:fillRect/>
+          </a:stretch>
+        </p:blipFill>
         <p:spPr>
           <a:xfrm>
-            <a:off x="311700" y="1229875"/>
-            <a:ext cx="8520600" cy="3339000"/>
+            <a:off x="3514525" y="410000"/>
+            <a:ext cx="4004125" cy="1232825"/>
           </a:xfrm>
           <a:prstGeom prst="rect">
             <a:avLst/>
           </a:prstGeom>
+          <a:noFill/>
+          <a:ln>
+            <a:noFill/>
+          </a:ln>
         </p:spPr>
-        <p:txBody>
-          <a:bodyPr anchorCtr="0" anchor="t" bIns="91425" lIns="91425" spcFirstLastPara="1" rIns="91425" wrap="square" tIns="91425">
-            <a:noAutofit/>
-          </a:bodyPr>
-          <a:lstStyle/>
-          <a:p>
-            <a:pPr indent="-342900" lvl="0" marL="457200" rtl="0" algn="l">
-              <a:lnSpc>
-                <a:spcPct val="200000"/>
-              </a:lnSpc>
-              <a:spcBef>
-                <a:spcPts val="0"/>
-              </a:spcBef>
-              <a:spcAft>
-                <a:spcPts val="0"/>
-              </a:spcAft>
-              <a:buSzPts val="1800"/>
-              <a:buFont typeface="Times New Roman"/>
-              <a:buChar char="●"/>
-            </a:pPr>
-            <a:r>
-              <a:t/>
-            </a:r>
-            <a:endParaRPr>
-              <a:latin typeface="Times New Roman"/>
-              <a:ea typeface="Times New Roman"/>
-              <a:cs typeface="Times New Roman"/>
-              <a:sym typeface="Times New Roman"/>
-            </a:endParaRPr>
-          </a:p>
-        </p:txBody>
-      </p:sp>
+      </p:pic>
+      <p:pic>
+        <p:nvPicPr>
+          <p:cNvPr id="137" name="Google Shape;137;p21"/>
+          <p:cNvPicPr preferRelativeResize="0"/>
+          <p:nvPr/>
+        </p:nvPicPr>
+        <p:blipFill>
+          <a:blip r:embed="rId4">
+            <a:alphaModFix/>
+          </a:blip>
+          <a:stretch>
+            <a:fillRect/>
+          </a:stretch>
+        </p:blipFill>
+        <p:spPr>
+          <a:xfrm>
+            <a:off x="3514525" y="1642825"/>
+            <a:ext cx="4004125" cy="1234725"/>
+          </a:xfrm>
+          <a:prstGeom prst="rect">
+            <a:avLst/>
+          </a:prstGeom>
+          <a:noFill/>
+          <a:ln>
+            <a:noFill/>
+          </a:ln>
+        </p:spPr>
+      </p:pic>
+      <p:pic>
+        <p:nvPicPr>
+          <p:cNvPr id="138" name="Google Shape;138;p21"/>
+          <p:cNvPicPr preferRelativeResize="0"/>
+          <p:nvPr/>
+        </p:nvPicPr>
+        <p:blipFill>
+          <a:blip r:embed="rId5">
+            <a:alphaModFix/>
+          </a:blip>
+          <a:stretch>
+            <a:fillRect/>
+          </a:stretch>
+        </p:blipFill>
+        <p:spPr>
+          <a:xfrm>
+            <a:off x="3514525" y="2877550"/>
+            <a:ext cx="4004125" cy="1324670"/>
+          </a:xfrm>
+          <a:prstGeom prst="rect">
+            <a:avLst/>
+          </a:prstGeom>
+          <a:noFill/>
+          <a:ln>
+            <a:noFill/>
+          </a:ln>
+        </p:spPr>
+      </p:pic>
     </p:spTree>
   </p:cSld>
   <p:clrMapOvr>
